--- a/年度、年中总结/2019年中工作总结/2019 年中工作总结_柯丽红.pptx
+++ b/年度、年中总结/2019年中工作总结/2019 年中工作总结_柯丽红.pptx
@@ -224,7 +224,7 @@
           <a:p>
             <a:fld id="{68B093AD-7C06-486F-9754-D5B73F7C37DE}" type="datetimeFigureOut">
               <a:rPr lang="zh-CN" altLang="en-US" smtClean="0"/>
-              <a:t>2019/7/14</a:t>
+              <a:t>2019/7/18</a:t>
             </a:fld>
             <a:endParaRPr lang="zh-CN" altLang="en-US"/>
           </a:p>
@@ -1570,7 +1570,7 @@
           <a:p>
             <a:fld id="{9C400E00-5D83-46E2-B18B-6027595511CC}" type="datetimeFigureOut">
               <a:rPr lang="zh-CN" altLang="en-US" smtClean="0"/>
-              <a:t>2019/7/14</a:t>
+              <a:t>2019/7/18</a:t>
             </a:fld>
             <a:endParaRPr lang="zh-CN" altLang="en-US"/>
           </a:p>
@@ -1634,7 +1634,7 @@
         <p:random/>
       </p:transition>
     </mc:Choice>
-    <mc:Fallback xmlns:p15="http://schemas.microsoft.com/office/powerpoint/2012/main" xmlns="">
+    <mc:Fallback xmlns="" xmlns:p15="http://schemas.microsoft.com/office/powerpoint/2012/main">
       <p:transition spd="slow" advClick="0" advTm="3000">
         <p:random/>
       </p:transition>
@@ -1750,7 +1750,7 @@
           <a:p>
             <a:fld id="{9C400E00-5D83-46E2-B18B-6027595511CC}" type="datetimeFigureOut">
               <a:rPr lang="zh-CN" altLang="en-US" smtClean="0"/>
-              <a:t>2019/7/14</a:t>
+              <a:t>2019/7/18</a:t>
             </a:fld>
             <a:endParaRPr lang="zh-CN" altLang="en-US"/>
           </a:p>
@@ -1814,7 +1814,7 @@
         <p:random/>
       </p:transition>
     </mc:Choice>
-    <mc:Fallback xmlns:p15="http://schemas.microsoft.com/office/powerpoint/2012/main" xmlns="">
+    <mc:Fallback xmlns="" xmlns:p15="http://schemas.microsoft.com/office/powerpoint/2012/main">
       <p:transition spd="slow" advClick="0" advTm="3000">
         <p:random/>
       </p:transition>
@@ -1940,7 +1940,7 @@
           <a:p>
             <a:fld id="{9C400E00-5D83-46E2-B18B-6027595511CC}" type="datetimeFigureOut">
               <a:rPr lang="zh-CN" altLang="en-US" smtClean="0"/>
-              <a:t>2019/7/14</a:t>
+              <a:t>2019/7/18</a:t>
             </a:fld>
             <a:endParaRPr lang="zh-CN" altLang="en-US"/>
           </a:p>
@@ -2004,7 +2004,7 @@
         <p:random/>
       </p:transition>
     </mc:Choice>
-    <mc:Fallback xmlns:p15="http://schemas.microsoft.com/office/powerpoint/2012/main" xmlns="">
+    <mc:Fallback xmlns="" xmlns:p15="http://schemas.microsoft.com/office/powerpoint/2012/main">
       <p:transition spd="slow" advClick="0" advTm="3000">
         <p:random/>
       </p:transition>
@@ -2120,7 +2120,7 @@
           <a:p>
             <a:fld id="{9C400E00-5D83-46E2-B18B-6027595511CC}" type="datetimeFigureOut">
               <a:rPr lang="zh-CN" altLang="en-US" smtClean="0"/>
-              <a:t>2019/7/14</a:t>
+              <a:t>2019/7/18</a:t>
             </a:fld>
             <a:endParaRPr lang="zh-CN" altLang="en-US"/>
           </a:p>
@@ -2184,7 +2184,7 @@
         <p:random/>
       </p:transition>
     </mc:Choice>
-    <mc:Fallback xmlns:p15="http://schemas.microsoft.com/office/powerpoint/2012/main" xmlns="">
+    <mc:Fallback xmlns="" xmlns:p15="http://schemas.microsoft.com/office/powerpoint/2012/main">
       <p:transition spd="slow" advClick="0" advTm="3000">
         <p:random/>
       </p:transition>
@@ -2377,7 +2377,7 @@
           <a:p>
             <a:fld id="{9C400E00-5D83-46E2-B18B-6027595511CC}" type="datetimeFigureOut">
               <a:rPr lang="zh-CN" altLang="en-US" smtClean="0"/>
-              <a:t>2019/7/14</a:t>
+              <a:t>2019/7/18</a:t>
             </a:fld>
             <a:endParaRPr lang="zh-CN" altLang="en-US"/>
           </a:p>
@@ -2441,7 +2441,7 @@
         <p:random/>
       </p:transition>
     </mc:Choice>
-    <mc:Fallback xmlns:p15="http://schemas.microsoft.com/office/powerpoint/2012/main" xmlns="">
+    <mc:Fallback xmlns="" xmlns:p15="http://schemas.microsoft.com/office/powerpoint/2012/main">
       <p:transition spd="slow" advClick="0" advTm="3000">
         <p:random/>
       </p:transition>
@@ -2618,7 +2618,7 @@
           <a:p>
             <a:fld id="{9C400E00-5D83-46E2-B18B-6027595511CC}" type="datetimeFigureOut">
               <a:rPr lang="zh-CN" altLang="en-US" smtClean="0"/>
-              <a:t>2019/7/14</a:t>
+              <a:t>2019/7/18</a:t>
             </a:fld>
             <a:endParaRPr lang="zh-CN" altLang="en-US"/>
           </a:p>
@@ -2682,7 +2682,7 @@
         <p:random/>
       </p:transition>
     </mc:Choice>
-    <mc:Fallback xmlns:p15="http://schemas.microsoft.com/office/powerpoint/2012/main" xmlns="">
+    <mc:Fallback xmlns="" xmlns:p15="http://schemas.microsoft.com/office/powerpoint/2012/main">
       <p:transition spd="slow" advClick="0" advTm="3000">
         <p:random/>
       </p:transition>
@@ -2994,7 +2994,7 @@
           <a:p>
             <a:fld id="{9C400E00-5D83-46E2-B18B-6027595511CC}" type="datetimeFigureOut">
               <a:rPr lang="zh-CN" altLang="en-US" smtClean="0"/>
-              <a:t>2019/7/14</a:t>
+              <a:t>2019/7/18</a:t>
             </a:fld>
             <a:endParaRPr lang="zh-CN" altLang="en-US"/>
           </a:p>
@@ -3058,7 +3058,7 @@
         <p:random/>
       </p:transition>
     </mc:Choice>
-    <mc:Fallback xmlns:p15="http://schemas.microsoft.com/office/powerpoint/2012/main" xmlns="">
+    <mc:Fallback xmlns="" xmlns:p15="http://schemas.microsoft.com/office/powerpoint/2012/main">
       <p:transition spd="slow" advClick="0" advTm="3000">
         <p:random/>
       </p:transition>
@@ -3123,7 +3123,7 @@
           <a:p>
             <a:fld id="{9C400E00-5D83-46E2-B18B-6027595511CC}" type="datetimeFigureOut">
               <a:rPr lang="zh-CN" altLang="en-US" smtClean="0"/>
-              <a:t>2019/7/14</a:t>
+              <a:t>2019/7/18</a:t>
             </a:fld>
             <a:endParaRPr lang="zh-CN" altLang="en-US"/>
           </a:p>
@@ -3187,7 +3187,7 @@
         <p:random/>
       </p:transition>
     </mc:Choice>
-    <mc:Fallback xmlns:p15="http://schemas.microsoft.com/office/powerpoint/2012/main" xmlns="">
+    <mc:Fallback xmlns="" xmlns:p15="http://schemas.microsoft.com/office/powerpoint/2012/main">
       <p:transition spd="slow" advClick="0" advTm="3000">
         <p:random/>
       </p:transition>
@@ -3230,7 +3230,7 @@
           <a:p>
             <a:fld id="{9C400E00-5D83-46E2-B18B-6027595511CC}" type="datetimeFigureOut">
               <a:rPr lang="zh-CN" altLang="en-US" smtClean="0"/>
-              <a:t>2019/7/14</a:t>
+              <a:t>2019/7/18</a:t>
             </a:fld>
             <a:endParaRPr lang="zh-CN" altLang="en-US"/>
           </a:p>
@@ -3577,7 +3577,7 @@
         <p:random/>
       </p:transition>
     </mc:Choice>
-    <mc:Fallback xmlns:p15="http://schemas.microsoft.com/office/powerpoint/2012/main" xmlns="">
+    <mc:Fallback xmlns="" xmlns:p15="http://schemas.microsoft.com/office/powerpoint/2012/main">
       <p:transition spd="slow" advClick="0" advTm="3000">
         <p:random/>
       </p:transition>
@@ -3800,7 +3800,7 @@
           <a:p>
             <a:fld id="{9C400E00-5D83-46E2-B18B-6027595511CC}" type="datetimeFigureOut">
               <a:rPr lang="zh-CN" altLang="en-US" smtClean="0"/>
-              <a:t>2019/7/14</a:t>
+              <a:t>2019/7/18</a:t>
             </a:fld>
             <a:endParaRPr lang="zh-CN" altLang="en-US"/>
           </a:p>
@@ -3864,7 +3864,7 @@
         <p:random/>
       </p:transition>
     </mc:Choice>
-    <mc:Fallback xmlns:p15="http://schemas.microsoft.com/office/powerpoint/2012/main" xmlns="">
+    <mc:Fallback xmlns="" xmlns:p15="http://schemas.microsoft.com/office/powerpoint/2012/main">
       <p:transition spd="slow" advClick="0" advTm="3000">
         <p:random/>
       </p:transition>
@@ -4064,7 +4064,7 @@
           <a:p>
             <a:fld id="{9C400E00-5D83-46E2-B18B-6027595511CC}" type="datetimeFigureOut">
               <a:rPr lang="zh-CN" altLang="en-US" smtClean="0"/>
-              <a:t>2019/7/14</a:t>
+              <a:t>2019/7/18</a:t>
             </a:fld>
             <a:endParaRPr lang="zh-CN" altLang="en-US"/>
           </a:p>
@@ -4128,7 +4128,7 @@
         <p:random/>
       </p:transition>
     </mc:Choice>
-    <mc:Fallback xmlns:p15="http://schemas.microsoft.com/office/powerpoint/2012/main" xmlns="">
+    <mc:Fallback xmlns="" xmlns:p15="http://schemas.microsoft.com/office/powerpoint/2012/main">
       <p:transition spd="slow" advClick="0" advTm="3000">
         <p:random/>
       </p:transition>
@@ -4290,7 +4290,7 @@
           <a:p>
             <a:fld id="{9C400E00-5D83-46E2-B18B-6027595511CC}" type="datetimeFigureOut">
               <a:rPr lang="zh-CN" altLang="en-US" smtClean="0"/>
-              <a:t>2019/7/14</a:t>
+              <a:t>2019/7/18</a:t>
             </a:fld>
             <a:endParaRPr lang="zh-CN" altLang="en-US"/>
           </a:p>
@@ -4401,7 +4401,7 @@
         <p:random/>
       </p:transition>
     </mc:Choice>
-    <mc:Fallback xmlns:p15="http://schemas.microsoft.com/office/powerpoint/2012/main" xmlns="">
+    <mc:Fallback xmlns="" xmlns:p15="http://schemas.microsoft.com/office/powerpoint/2012/main">
       <p:transition spd="slow" advClick="0" advTm="3000">
         <p:random/>
       </p:transition>
@@ -5283,7 +5283,7 @@
         <p:random/>
       </p:transition>
     </mc:Choice>
-    <mc:Fallback xmlns:p15="http://schemas.microsoft.com/office/powerpoint/2012/main" xmlns="">
+    <mc:Fallback xmlns="" xmlns:p15="http://schemas.microsoft.com/office/powerpoint/2012/main">
       <p:transition spd="slow" advClick="0" advTm="3000">
         <p:random/>
       </p:transition>
@@ -8508,7 +8508,7 @@
         <p:random/>
       </p:transition>
     </mc:Choice>
-    <mc:Fallback xmlns:p15="http://schemas.microsoft.com/office/powerpoint/2012/main" xmlns="">
+    <mc:Fallback xmlns="" xmlns:p15="http://schemas.microsoft.com/office/powerpoint/2012/main">
       <p:transition spd="slow" advClick="0" advTm="3000">
         <p:random/>
       </p:transition>
@@ -9049,7 +9049,7 @@
         <p:random/>
       </p:transition>
     </mc:Choice>
-    <mc:Fallback xmlns:p15="http://schemas.microsoft.com/office/powerpoint/2012/main" xmlns="">
+    <mc:Fallback xmlns="" xmlns:p15="http://schemas.microsoft.com/office/powerpoint/2012/main">
       <p:transition spd="slow" advClick="0" advTm="3000">
         <p:random/>
       </p:transition>
@@ -11548,7 +11548,7 @@
         <p:random/>
       </p:transition>
     </mc:Choice>
-    <mc:Fallback xmlns:p15="http://schemas.microsoft.com/office/powerpoint/2012/main" xmlns="">
+    <mc:Fallback xmlns="" xmlns:p15="http://schemas.microsoft.com/office/powerpoint/2012/main">
       <p:transition spd="slow" advClick="0" advTm="3000">
         <p:random/>
       </p:transition>
@@ -12344,7 +12344,7 @@
         <p:random/>
       </p:transition>
     </mc:Choice>
-    <mc:Fallback xmlns:p15="http://schemas.microsoft.com/office/powerpoint/2012/main" xmlns="">
+    <mc:Fallback xmlns="" xmlns:p15="http://schemas.microsoft.com/office/powerpoint/2012/main">
       <p:transition spd="slow" advClick="0" advTm="3000">
         <p:random/>
       </p:transition>
@@ -14433,7 +14433,7 @@
         <p:random/>
       </p:transition>
     </mc:Choice>
-    <mc:Fallback xmlns:p15="http://schemas.microsoft.com/office/powerpoint/2012/main" xmlns="">
+    <mc:Fallback xmlns="" xmlns:p15="http://schemas.microsoft.com/office/powerpoint/2012/main">
       <p:transition spd="slow" advClick="0" advTm="3000">
         <p:random/>
       </p:transition>
@@ -15202,7 +15202,7 @@
         <p:random/>
       </p:transition>
     </mc:Choice>
-    <mc:Fallback xmlns:p15="http://schemas.microsoft.com/office/powerpoint/2012/main" xmlns="">
+    <mc:Fallback xmlns="" xmlns:p15="http://schemas.microsoft.com/office/powerpoint/2012/main">
       <p:transition spd="slow" advClick="0" advTm="3000">
         <p:random/>
       </p:transition>
@@ -17179,7 +17179,7 @@
         <p:random/>
       </p:transition>
     </mc:Choice>
-    <mc:Fallback xmlns:p15="http://schemas.microsoft.com/office/powerpoint/2012/main" xmlns="">
+    <mc:Fallback xmlns="" xmlns:p15="http://schemas.microsoft.com/office/powerpoint/2012/main">
       <p:transition spd="slow" advClick="0" advTm="3000">
         <p:random/>
       </p:transition>
@@ -17960,7 +17960,7 @@
         <p:random/>
       </p:transition>
     </mc:Choice>
-    <mc:Fallback xmlns:p15="http://schemas.microsoft.com/office/powerpoint/2012/main" xmlns="">
+    <mc:Fallback xmlns="" xmlns:p15="http://schemas.microsoft.com/office/powerpoint/2012/main">
       <p:transition spd="slow" advClick="0" advTm="3000">
         <p:random/>
       </p:transition>
@@ -19056,7 +19056,7 @@
             </a:endParaRPr>
           </a:p>
           <a:p>
-            <a:pPr>
+            <a:pPr algn="ctr">
               <a:lnSpc>
                 <a:spcPct val="120000"/>
               </a:lnSpc>
@@ -20619,7 +20619,7 @@
         <p:random/>
       </p:transition>
     </mc:Choice>
-    <mc:Fallback xmlns:p15="http://schemas.microsoft.com/office/powerpoint/2012/main" xmlns="">
+    <mc:Fallback xmlns="" xmlns:p15="http://schemas.microsoft.com/office/powerpoint/2012/main">
       <p:transition spd="slow" advClick="0" advTm="3000">
         <p:random/>
       </p:transition>
@@ -21400,7 +21400,7 @@
         <p:random/>
       </p:transition>
     </mc:Choice>
-    <mc:Fallback xmlns:p15="http://schemas.microsoft.com/office/powerpoint/2012/main" xmlns="">
+    <mc:Fallback xmlns="" xmlns:p15="http://schemas.microsoft.com/office/powerpoint/2012/main">
       <p:transition spd="slow" advClick="0" advTm="3000">
         <p:random/>
       </p:transition>
